--- a/Refer/Github 사용법.pptx
+++ b/Refer/Github 사용법.pptx
@@ -4,11 +4,19 @@
   <p:sldMasterIdLst>
     <p:sldMasterId id="2147483648" r:id="rId1"/>
   </p:sldMasterIdLst>
+  <p:notesMasterIdLst>
+    <p:notesMasterId r:id="rId11"/>
+  </p:notesMasterIdLst>
   <p:sldIdLst>
     <p:sldId id="256" r:id="rId2"/>
     <p:sldId id="257" r:id="rId3"/>
     <p:sldId id="258" r:id="rId4"/>
     <p:sldId id="259" r:id="rId5"/>
+    <p:sldId id="260" r:id="rId6"/>
+    <p:sldId id="261" r:id="rId7"/>
+    <p:sldId id="262" r:id="rId8"/>
+    <p:sldId id="263" r:id="rId9"/>
+    <p:sldId id="264" r:id="rId10"/>
   </p:sldIdLst>
   <p:sldSz cx="12192000" cy="6858000"/>
   <p:notesSz cx="6858000" cy="9144000"/>
@@ -116,7 +124,374 @@
       </a:defRPr>
     </a:lvl9pPr>
   </p:defaultTextStyle>
+  <p:extLst>
+    <p:ext uri="{EFAFB233-063F-42B5-8137-9DF3F51BA10A}">
+      <p15:sldGuideLst xmlns:p15="http://schemas.microsoft.com/office/powerpoint/2012/main"/>
+    </p:ext>
+  </p:extLst>
 </p:presentation>
+</file>
+
+<file path=ppt/commentAuthors.xml><?xml version="1.0" encoding="utf-8"?>
+<p:cmAuthorLst xmlns:a="http://schemas.openxmlformats.org/drawingml/2006/main" xmlns:r="http://schemas.openxmlformats.org/officeDocument/2006/relationships" xmlns:p="http://schemas.openxmlformats.org/presentationml/2006/main">
+  <p:cmAuthor id="1" name="seoil" initials="s" lastIdx="1" clrIdx="0">
+    <p:extLst>
+      <p:ext uri="{19B8F6BF-5375-455C-9EA6-DF929625EA0E}">
+        <p15:presenceInfo xmlns:p15="http://schemas.microsoft.com/office/powerpoint/2012/main" userId="seoil" providerId="None"/>
+      </p:ext>
+    </p:extLst>
+  </p:cmAuthor>
+</p:cmAuthorLst>
+</file>
+
+<file path=ppt/notesMasters/notesMaster1.xml><?xml version="1.0" encoding="utf-8"?>
+<p:notesMaster xmlns:a="http://schemas.openxmlformats.org/drawingml/2006/main" xmlns:r="http://schemas.openxmlformats.org/officeDocument/2006/relationships" xmlns:p="http://schemas.openxmlformats.org/presentationml/2006/main">
+  <p:cSld>
+    <p:bg>
+      <p:bgRef idx="1001">
+        <a:schemeClr val="bg1"/>
+      </p:bgRef>
+    </p:bg>
+    <p:spTree>
+      <p:nvGrpSpPr>
+        <p:cNvPr id="1" name=""/>
+        <p:cNvGrpSpPr/>
+        <p:nvPr/>
+      </p:nvGrpSpPr>
+      <p:grpSpPr>
+        <a:xfrm>
+          <a:off x="0" y="0"/>
+          <a:ext cx="0" cy="0"/>
+          <a:chOff x="0" y="0"/>
+          <a:chExt cx="0" cy="0"/>
+        </a:xfrm>
+      </p:grpSpPr>
+      <p:sp>
+        <p:nvSpPr>
+          <p:cNvPr id="2" name="머리글 개체 틀 1"/>
+          <p:cNvSpPr>
+            <a:spLocks noGrp="1"/>
+          </p:cNvSpPr>
+          <p:nvPr>
+            <p:ph type="hdr" sz="quarter"/>
+          </p:nvPr>
+        </p:nvSpPr>
+        <p:spPr>
+          <a:xfrm>
+            <a:off x="0" y="0"/>
+            <a:ext cx="2971800" cy="458788"/>
+          </a:xfrm>
+          <a:prstGeom prst="rect">
+            <a:avLst/>
+          </a:prstGeom>
+        </p:spPr>
+        <p:txBody>
+          <a:bodyPr vert="horz" lIns="91440" tIns="45720" rIns="91440" bIns="45720" rtlCol="0"/>
+          <a:lstStyle>
+            <a:lvl1pPr algn="l">
+              <a:defRPr sz="1200"/>
+            </a:lvl1pPr>
+          </a:lstStyle>
+          <a:p>
+            <a:endParaRPr lang="ko-KR" altLang="en-US"/>
+          </a:p>
+        </p:txBody>
+      </p:sp>
+      <p:sp>
+        <p:nvSpPr>
+          <p:cNvPr id="3" name="날짜 개체 틀 2"/>
+          <p:cNvSpPr>
+            <a:spLocks noGrp="1"/>
+          </p:cNvSpPr>
+          <p:nvPr>
+            <p:ph type="dt" idx="1"/>
+          </p:nvPr>
+        </p:nvSpPr>
+        <p:spPr>
+          <a:xfrm>
+            <a:off x="3884613" y="0"/>
+            <a:ext cx="2971800" cy="458788"/>
+          </a:xfrm>
+          <a:prstGeom prst="rect">
+            <a:avLst/>
+          </a:prstGeom>
+        </p:spPr>
+        <p:txBody>
+          <a:bodyPr vert="horz" lIns="91440" tIns="45720" rIns="91440" bIns="45720" rtlCol="0"/>
+          <a:lstStyle>
+            <a:lvl1pPr algn="r">
+              <a:defRPr sz="1200"/>
+            </a:lvl1pPr>
+          </a:lstStyle>
+          <a:p>
+            <a:fld id="{8E5308B4-B9C0-460D-B798-3EAFD59D5794}" type="datetimeFigureOut">
+              <a:rPr lang="ko-KR" altLang="en-US" smtClean="0"/>
+              <a:t>2023-03-16</a:t>
+            </a:fld>
+            <a:endParaRPr lang="ko-KR" altLang="en-US"/>
+          </a:p>
+        </p:txBody>
+      </p:sp>
+      <p:sp>
+        <p:nvSpPr>
+          <p:cNvPr id="4" name="슬라이드 이미지 개체 틀 3"/>
+          <p:cNvSpPr>
+            <a:spLocks noGrp="1" noRot="1" noChangeAspect="1"/>
+          </p:cNvSpPr>
+          <p:nvPr>
+            <p:ph type="sldImg" idx="2"/>
+          </p:nvPr>
+        </p:nvSpPr>
+        <p:spPr>
+          <a:xfrm>
+            <a:off x="685800" y="1143000"/>
+            <a:ext cx="5486400" cy="3086100"/>
+          </a:xfrm>
+          <a:prstGeom prst="rect">
+            <a:avLst/>
+          </a:prstGeom>
+          <a:noFill/>
+          <a:ln w="12700">
+            <a:solidFill>
+              <a:prstClr val="black"/>
+            </a:solidFill>
+          </a:ln>
+        </p:spPr>
+        <p:txBody>
+          <a:bodyPr vert="horz" lIns="91440" tIns="45720" rIns="91440" bIns="45720" rtlCol="0" anchor="ctr"/>
+          <a:lstStyle/>
+          <a:p>
+            <a:endParaRPr lang="ko-KR" altLang="en-US"/>
+          </a:p>
+        </p:txBody>
+      </p:sp>
+      <p:sp>
+        <p:nvSpPr>
+          <p:cNvPr id="5" name="슬라이드 노트 개체 틀 4"/>
+          <p:cNvSpPr>
+            <a:spLocks noGrp="1"/>
+          </p:cNvSpPr>
+          <p:nvPr>
+            <p:ph type="body" sz="quarter" idx="3"/>
+          </p:nvPr>
+        </p:nvSpPr>
+        <p:spPr>
+          <a:xfrm>
+            <a:off x="685800" y="4400550"/>
+            <a:ext cx="5486400" cy="3600450"/>
+          </a:xfrm>
+          <a:prstGeom prst="rect">
+            <a:avLst/>
+          </a:prstGeom>
+        </p:spPr>
+        <p:txBody>
+          <a:bodyPr vert="horz" lIns="91440" tIns="45720" rIns="91440" bIns="45720" rtlCol="0"/>
+          <a:lstStyle/>
+          <a:p>
+            <a:pPr lvl="0"/>
+            <a:r>
+              <a:rPr lang="ko-KR" altLang="en-US" smtClean="0"/>
+              <a:t>마스터 텍스트 스타일 편집</a:t>
+            </a:r>
+          </a:p>
+          <a:p>
+            <a:pPr lvl="1"/>
+            <a:r>
+              <a:rPr lang="ko-KR" altLang="en-US" smtClean="0"/>
+              <a:t>둘째 수준</a:t>
+            </a:r>
+          </a:p>
+          <a:p>
+            <a:pPr lvl="2"/>
+            <a:r>
+              <a:rPr lang="ko-KR" altLang="en-US" smtClean="0"/>
+              <a:t>셋째 수준</a:t>
+            </a:r>
+          </a:p>
+          <a:p>
+            <a:pPr lvl="3"/>
+            <a:r>
+              <a:rPr lang="ko-KR" altLang="en-US" smtClean="0"/>
+              <a:t>넷째 수준</a:t>
+            </a:r>
+          </a:p>
+          <a:p>
+            <a:pPr lvl="4"/>
+            <a:r>
+              <a:rPr lang="ko-KR" altLang="en-US" smtClean="0"/>
+              <a:t>다섯째 수준</a:t>
+            </a:r>
+            <a:endParaRPr lang="ko-KR" altLang="en-US"/>
+          </a:p>
+        </p:txBody>
+      </p:sp>
+      <p:sp>
+        <p:nvSpPr>
+          <p:cNvPr id="6" name="바닥글 개체 틀 5"/>
+          <p:cNvSpPr>
+            <a:spLocks noGrp="1"/>
+          </p:cNvSpPr>
+          <p:nvPr>
+            <p:ph type="ftr" sz="quarter" idx="4"/>
+          </p:nvPr>
+        </p:nvSpPr>
+        <p:spPr>
+          <a:xfrm>
+            <a:off x="0" y="8685213"/>
+            <a:ext cx="2971800" cy="458787"/>
+          </a:xfrm>
+          <a:prstGeom prst="rect">
+            <a:avLst/>
+          </a:prstGeom>
+        </p:spPr>
+        <p:txBody>
+          <a:bodyPr vert="horz" lIns="91440" tIns="45720" rIns="91440" bIns="45720" rtlCol="0" anchor="b"/>
+          <a:lstStyle>
+            <a:lvl1pPr algn="l">
+              <a:defRPr sz="1200"/>
+            </a:lvl1pPr>
+          </a:lstStyle>
+          <a:p>
+            <a:endParaRPr lang="ko-KR" altLang="en-US"/>
+          </a:p>
+        </p:txBody>
+      </p:sp>
+      <p:sp>
+        <p:nvSpPr>
+          <p:cNvPr id="7" name="슬라이드 번호 개체 틀 6"/>
+          <p:cNvSpPr>
+            <a:spLocks noGrp="1"/>
+          </p:cNvSpPr>
+          <p:nvPr>
+            <p:ph type="sldNum" sz="quarter" idx="5"/>
+          </p:nvPr>
+        </p:nvSpPr>
+        <p:spPr>
+          <a:xfrm>
+            <a:off x="3884613" y="8685213"/>
+            <a:ext cx="2971800" cy="458787"/>
+          </a:xfrm>
+          <a:prstGeom prst="rect">
+            <a:avLst/>
+          </a:prstGeom>
+        </p:spPr>
+        <p:txBody>
+          <a:bodyPr vert="horz" lIns="91440" tIns="45720" rIns="91440" bIns="45720" rtlCol="0" anchor="b"/>
+          <a:lstStyle>
+            <a:lvl1pPr algn="r">
+              <a:defRPr sz="1200"/>
+            </a:lvl1pPr>
+          </a:lstStyle>
+          <a:p>
+            <a:fld id="{68B318C2-48CF-4038-B8EF-59CC9CFE1905}" type="slidenum">
+              <a:rPr lang="ko-KR" altLang="en-US" smtClean="0"/>
+              <a:t>‹#›</a:t>
+            </a:fld>
+            <a:endParaRPr lang="ko-KR" altLang="en-US"/>
+          </a:p>
+        </p:txBody>
+      </p:sp>
+    </p:spTree>
+    <p:extLst>
+      <p:ext uri="{BB962C8B-B14F-4D97-AF65-F5344CB8AC3E}">
+        <p14:creationId xmlns:p14="http://schemas.microsoft.com/office/powerpoint/2010/main" val="2681227990"/>
+      </p:ext>
+    </p:extLst>
+  </p:cSld>
+  <p:clrMap bg1="lt1" tx1="dk1" bg2="lt2" tx2="dk2" accent1="accent1" accent2="accent2" accent3="accent3" accent4="accent4" accent5="accent5" accent6="accent6" hlink="hlink" folHlink="folHlink"/>
+  <p:notesStyle>
+    <a:lvl1pPr marL="0" algn="l" defTabSz="914400" rtl="0" eaLnBrk="1" latinLnBrk="1" hangingPunct="1">
+      <a:defRPr sz="1200" kern="1200">
+        <a:solidFill>
+          <a:schemeClr val="tx1"/>
+        </a:solidFill>
+        <a:latin typeface="+mn-lt"/>
+        <a:ea typeface="+mn-ea"/>
+        <a:cs typeface="+mn-cs"/>
+      </a:defRPr>
+    </a:lvl1pPr>
+    <a:lvl2pPr marL="457200" algn="l" defTabSz="914400" rtl="0" eaLnBrk="1" latinLnBrk="1" hangingPunct="1">
+      <a:defRPr sz="1200" kern="1200">
+        <a:solidFill>
+          <a:schemeClr val="tx1"/>
+        </a:solidFill>
+        <a:latin typeface="+mn-lt"/>
+        <a:ea typeface="+mn-ea"/>
+        <a:cs typeface="+mn-cs"/>
+      </a:defRPr>
+    </a:lvl2pPr>
+    <a:lvl3pPr marL="914400" algn="l" defTabSz="914400" rtl="0" eaLnBrk="1" latinLnBrk="1" hangingPunct="1">
+      <a:defRPr sz="1200" kern="1200">
+        <a:solidFill>
+          <a:schemeClr val="tx1"/>
+        </a:solidFill>
+        <a:latin typeface="+mn-lt"/>
+        <a:ea typeface="+mn-ea"/>
+        <a:cs typeface="+mn-cs"/>
+      </a:defRPr>
+    </a:lvl3pPr>
+    <a:lvl4pPr marL="1371600" algn="l" defTabSz="914400" rtl="0" eaLnBrk="1" latinLnBrk="1" hangingPunct="1">
+      <a:defRPr sz="1200" kern="1200">
+        <a:solidFill>
+          <a:schemeClr val="tx1"/>
+        </a:solidFill>
+        <a:latin typeface="+mn-lt"/>
+        <a:ea typeface="+mn-ea"/>
+        <a:cs typeface="+mn-cs"/>
+      </a:defRPr>
+    </a:lvl4pPr>
+    <a:lvl5pPr marL="1828800" algn="l" defTabSz="914400" rtl="0" eaLnBrk="1" latinLnBrk="1" hangingPunct="1">
+      <a:defRPr sz="1200" kern="1200">
+        <a:solidFill>
+          <a:schemeClr val="tx1"/>
+        </a:solidFill>
+        <a:latin typeface="+mn-lt"/>
+        <a:ea typeface="+mn-ea"/>
+        <a:cs typeface="+mn-cs"/>
+      </a:defRPr>
+    </a:lvl5pPr>
+    <a:lvl6pPr marL="2286000" algn="l" defTabSz="914400" rtl="0" eaLnBrk="1" latinLnBrk="1" hangingPunct="1">
+      <a:defRPr sz="1200" kern="1200">
+        <a:solidFill>
+          <a:schemeClr val="tx1"/>
+        </a:solidFill>
+        <a:latin typeface="+mn-lt"/>
+        <a:ea typeface="+mn-ea"/>
+        <a:cs typeface="+mn-cs"/>
+      </a:defRPr>
+    </a:lvl6pPr>
+    <a:lvl7pPr marL="2743200" algn="l" defTabSz="914400" rtl="0" eaLnBrk="1" latinLnBrk="1" hangingPunct="1">
+      <a:defRPr sz="1200" kern="1200">
+        <a:solidFill>
+          <a:schemeClr val="tx1"/>
+        </a:solidFill>
+        <a:latin typeface="+mn-lt"/>
+        <a:ea typeface="+mn-ea"/>
+        <a:cs typeface="+mn-cs"/>
+      </a:defRPr>
+    </a:lvl7pPr>
+    <a:lvl8pPr marL="3200400" algn="l" defTabSz="914400" rtl="0" eaLnBrk="1" latinLnBrk="1" hangingPunct="1">
+      <a:defRPr sz="1200" kern="1200">
+        <a:solidFill>
+          <a:schemeClr val="tx1"/>
+        </a:solidFill>
+        <a:latin typeface="+mn-lt"/>
+        <a:ea typeface="+mn-ea"/>
+        <a:cs typeface="+mn-cs"/>
+      </a:defRPr>
+    </a:lvl8pPr>
+    <a:lvl9pPr marL="3657600" algn="l" defTabSz="914400" rtl="0" eaLnBrk="1" latinLnBrk="1" hangingPunct="1">
+      <a:defRPr sz="1200" kern="1200">
+        <a:solidFill>
+          <a:schemeClr val="tx1"/>
+        </a:solidFill>
+        <a:latin typeface="+mn-lt"/>
+        <a:ea typeface="+mn-ea"/>
+        <a:cs typeface="+mn-cs"/>
+      </a:defRPr>
+    </a:lvl9pPr>
+  </p:notesStyle>
+</p:notesMaster>
 </file>
 
 <file path=ppt/slideLayouts/slideLayout1.xml><?xml version="1.0" encoding="utf-8"?>
@@ -250,7 +625,7 @@
           <a:p>
             <a:fld id="{66CDD69D-F8CA-4FBD-A623-6A490317DC7B}" type="datetimeFigureOut">
               <a:rPr lang="ko-KR" altLang="en-US" smtClean="0"/>
-              <a:t>2023-03-15</a:t>
+              <a:t>2023-03-16</a:t>
             </a:fld>
             <a:endParaRPr lang="ko-KR" altLang="en-US"/>
           </a:p>
@@ -420,7 +795,7 @@
           <a:p>
             <a:fld id="{66CDD69D-F8CA-4FBD-A623-6A490317DC7B}" type="datetimeFigureOut">
               <a:rPr lang="ko-KR" altLang="en-US" smtClean="0"/>
-              <a:t>2023-03-15</a:t>
+              <a:t>2023-03-16</a:t>
             </a:fld>
             <a:endParaRPr lang="ko-KR" altLang="en-US"/>
           </a:p>
@@ -600,7 +975,7 @@
           <a:p>
             <a:fld id="{66CDD69D-F8CA-4FBD-A623-6A490317DC7B}" type="datetimeFigureOut">
               <a:rPr lang="ko-KR" altLang="en-US" smtClean="0"/>
-              <a:t>2023-03-15</a:t>
+              <a:t>2023-03-16</a:t>
             </a:fld>
             <a:endParaRPr lang="ko-KR" altLang="en-US"/>
           </a:p>
@@ -770,7 +1145,7 @@
           <a:p>
             <a:fld id="{66CDD69D-F8CA-4FBD-A623-6A490317DC7B}" type="datetimeFigureOut">
               <a:rPr lang="ko-KR" altLang="en-US" smtClean="0"/>
-              <a:t>2023-03-15</a:t>
+              <a:t>2023-03-16</a:t>
             </a:fld>
             <a:endParaRPr lang="ko-KR" altLang="en-US"/>
           </a:p>
@@ -1016,7 +1391,7 @@
           <a:p>
             <a:fld id="{66CDD69D-F8CA-4FBD-A623-6A490317DC7B}" type="datetimeFigureOut">
               <a:rPr lang="ko-KR" altLang="en-US" smtClean="0"/>
-              <a:t>2023-03-15</a:t>
+              <a:t>2023-03-16</a:t>
             </a:fld>
             <a:endParaRPr lang="ko-KR" altLang="en-US"/>
           </a:p>
@@ -1248,7 +1623,7 @@
           <a:p>
             <a:fld id="{66CDD69D-F8CA-4FBD-A623-6A490317DC7B}" type="datetimeFigureOut">
               <a:rPr lang="ko-KR" altLang="en-US" smtClean="0"/>
-              <a:t>2023-03-15</a:t>
+              <a:t>2023-03-16</a:t>
             </a:fld>
             <a:endParaRPr lang="ko-KR" altLang="en-US"/>
           </a:p>
@@ -1615,7 +1990,7 @@
           <a:p>
             <a:fld id="{66CDD69D-F8CA-4FBD-A623-6A490317DC7B}" type="datetimeFigureOut">
               <a:rPr lang="ko-KR" altLang="en-US" smtClean="0"/>
-              <a:t>2023-03-15</a:t>
+              <a:t>2023-03-16</a:t>
             </a:fld>
             <a:endParaRPr lang="ko-KR" altLang="en-US"/>
           </a:p>
@@ -1733,7 +2108,7 @@
           <a:p>
             <a:fld id="{66CDD69D-F8CA-4FBD-A623-6A490317DC7B}" type="datetimeFigureOut">
               <a:rPr lang="ko-KR" altLang="en-US" smtClean="0"/>
-              <a:t>2023-03-15</a:t>
+              <a:t>2023-03-16</a:t>
             </a:fld>
             <a:endParaRPr lang="ko-KR" altLang="en-US"/>
           </a:p>
@@ -1828,7 +2203,7 @@
           <a:p>
             <a:fld id="{66CDD69D-F8CA-4FBD-A623-6A490317DC7B}" type="datetimeFigureOut">
               <a:rPr lang="ko-KR" altLang="en-US" smtClean="0"/>
-              <a:t>2023-03-15</a:t>
+              <a:t>2023-03-16</a:t>
             </a:fld>
             <a:endParaRPr lang="ko-KR" altLang="en-US"/>
           </a:p>
@@ -2105,7 +2480,7 @@
           <a:p>
             <a:fld id="{66CDD69D-F8CA-4FBD-A623-6A490317DC7B}" type="datetimeFigureOut">
               <a:rPr lang="ko-KR" altLang="en-US" smtClean="0"/>
-              <a:t>2023-03-15</a:t>
+              <a:t>2023-03-16</a:t>
             </a:fld>
             <a:endParaRPr lang="ko-KR" altLang="en-US"/>
           </a:p>
@@ -2358,7 +2733,7 @@
           <a:p>
             <a:fld id="{66CDD69D-F8CA-4FBD-A623-6A490317DC7B}" type="datetimeFigureOut">
               <a:rPr lang="ko-KR" altLang="en-US" smtClean="0"/>
-              <a:t>2023-03-15</a:t>
+              <a:t>2023-03-16</a:t>
             </a:fld>
             <a:endParaRPr lang="ko-KR" altLang="en-US"/>
           </a:p>
@@ -2571,7 +2946,7 @@
           <a:p>
             <a:fld id="{66CDD69D-F8CA-4FBD-A623-6A490317DC7B}" type="datetimeFigureOut">
               <a:rPr lang="ko-KR" altLang="en-US" smtClean="0"/>
-              <a:t>2023-03-15</a:t>
+              <a:t>2023-03-16</a:t>
             </a:fld>
             <a:endParaRPr lang="ko-KR" altLang="en-US"/>
           </a:p>
@@ -4246,6 +4621,201 @@
           </a:fontRef>
         </p:style>
       </p:cxnSp>
+      <p:pic>
+        <p:nvPicPr>
+          <p:cNvPr id="5" name="그림 4"/>
+          <p:cNvPicPr>
+            <a:picLocks noChangeAspect="1"/>
+          </p:cNvPicPr>
+          <p:nvPr/>
+        </p:nvPicPr>
+        <p:blipFill>
+          <a:blip r:embed="rId3"/>
+          <a:stretch>
+            <a:fillRect/>
+          </a:stretch>
+        </p:blipFill>
+        <p:spPr>
+          <a:xfrm>
+            <a:off x="5023174" y="2939846"/>
+            <a:ext cx="7168826" cy="3918154"/>
+          </a:xfrm>
+          <a:prstGeom prst="rect">
+            <a:avLst/>
+          </a:prstGeom>
+        </p:spPr>
+      </p:pic>
+      <p:sp>
+        <p:nvSpPr>
+          <p:cNvPr id="7" name="TextBox 6"/>
+          <p:cNvSpPr txBox="1"/>
+          <p:nvPr/>
+        </p:nvSpPr>
+        <p:spPr>
+          <a:xfrm>
+            <a:off x="6877050" y="5229225"/>
+            <a:ext cx="646331" cy="369332"/>
+          </a:xfrm>
+          <a:prstGeom prst="rect">
+            <a:avLst/>
+          </a:prstGeom>
+          <a:noFill/>
+        </p:spPr>
+        <p:txBody>
+          <a:bodyPr wrap="none" rtlCol="0">
+            <a:spAutoFit/>
+          </a:bodyPr>
+          <a:lstStyle/>
+          <a:p>
+            <a:r>
+              <a:rPr lang="ko-KR" altLang="en-US" dirty="0" smtClean="0">
+                <a:solidFill>
+                  <a:schemeClr val="bg1"/>
+                </a:solidFill>
+              </a:rPr>
+              <a:t>클릭</a:t>
+            </a:r>
+            <a:endParaRPr lang="ko-KR" altLang="en-US" dirty="0">
+              <a:solidFill>
+                <a:schemeClr val="bg1"/>
+              </a:solidFill>
+            </a:endParaRPr>
+          </a:p>
+        </p:txBody>
+      </p:sp>
+      <p:cxnSp>
+        <p:nvCxnSpPr>
+          <p:cNvPr id="9" name="직선 연결선 8"/>
+          <p:cNvCxnSpPr/>
+          <p:nvPr/>
+        </p:nvCxnSpPr>
+        <p:spPr>
+          <a:xfrm flipV="1">
+            <a:off x="7523381" y="5238750"/>
+            <a:ext cx="582394" cy="175141"/>
+          </a:xfrm>
+          <a:prstGeom prst="line">
+            <a:avLst/>
+          </a:prstGeom>
+          <a:ln>
+            <a:solidFill>
+              <a:schemeClr val="bg1"/>
+            </a:solidFill>
+          </a:ln>
+        </p:spPr>
+        <p:style>
+          <a:lnRef idx="1">
+            <a:schemeClr val="accent1"/>
+          </a:lnRef>
+          <a:fillRef idx="0">
+            <a:schemeClr val="accent1"/>
+          </a:fillRef>
+          <a:effectRef idx="0">
+            <a:schemeClr val="accent1"/>
+          </a:effectRef>
+          <a:fontRef idx="minor">
+            <a:schemeClr val="tx1"/>
+          </a:fontRef>
+        </p:style>
+      </p:cxnSp>
+      <p:cxnSp>
+        <p:nvCxnSpPr>
+          <p:cNvPr id="12" name="직선 화살표 연결선 11"/>
+          <p:cNvCxnSpPr/>
+          <p:nvPr/>
+        </p:nvCxnSpPr>
+        <p:spPr>
+          <a:xfrm>
+            <a:off x="3105150" y="2771775"/>
+            <a:ext cx="1611229" cy="1162050"/>
+          </a:xfrm>
+          <a:prstGeom prst="straightConnector1">
+            <a:avLst/>
+          </a:prstGeom>
+          <a:ln>
+            <a:solidFill>
+              <a:srgbClr val="FF0000"/>
+            </a:solidFill>
+            <a:tailEnd type="triangle"/>
+          </a:ln>
+        </p:spPr>
+        <p:style>
+          <a:lnRef idx="1">
+            <a:schemeClr val="accent1"/>
+          </a:lnRef>
+          <a:fillRef idx="0">
+            <a:schemeClr val="accent1"/>
+          </a:fillRef>
+          <a:effectRef idx="0">
+            <a:schemeClr val="accent1"/>
+          </a:effectRef>
+          <a:fontRef idx="minor">
+            <a:schemeClr val="tx1"/>
+          </a:fontRef>
+        </p:style>
+      </p:cxnSp>
+      <p:pic>
+        <p:nvPicPr>
+          <p:cNvPr id="13" name="그림 12"/>
+          <p:cNvPicPr>
+            <a:picLocks noChangeAspect="1"/>
+          </p:cNvPicPr>
+          <p:nvPr/>
+        </p:nvPicPr>
+        <p:blipFill>
+          <a:blip r:embed="rId4"/>
+          <a:stretch>
+            <a:fillRect/>
+          </a:stretch>
+        </p:blipFill>
+        <p:spPr>
+          <a:xfrm>
+            <a:off x="9624856" y="5905464"/>
+            <a:ext cx="2238687" cy="514422"/>
+          </a:xfrm>
+          <a:prstGeom prst="rect">
+            <a:avLst/>
+          </a:prstGeom>
+        </p:spPr>
+      </p:pic>
+      <p:sp>
+        <p:nvSpPr>
+          <p:cNvPr id="14" name="TextBox 13"/>
+          <p:cNvSpPr txBox="1"/>
+          <p:nvPr/>
+        </p:nvSpPr>
+        <p:spPr>
+          <a:xfrm>
+            <a:off x="11500783" y="5524464"/>
+            <a:ext cx="646331" cy="369332"/>
+          </a:xfrm>
+          <a:prstGeom prst="rect">
+            <a:avLst/>
+          </a:prstGeom>
+          <a:noFill/>
+        </p:spPr>
+        <p:txBody>
+          <a:bodyPr wrap="none" rtlCol="0">
+            <a:spAutoFit/>
+          </a:bodyPr>
+          <a:lstStyle/>
+          <a:p>
+            <a:r>
+              <a:rPr lang="ko-KR" altLang="en-US" dirty="0" smtClean="0">
+                <a:solidFill>
+                  <a:schemeClr val="bg1"/>
+                </a:solidFill>
+              </a:rPr>
+              <a:t>설치</a:t>
+            </a:r>
+            <a:endParaRPr lang="ko-KR" altLang="en-US" dirty="0">
+              <a:solidFill>
+                <a:schemeClr val="bg1"/>
+              </a:solidFill>
+            </a:endParaRPr>
+          </a:p>
+        </p:txBody>
+      </p:sp>
     </p:spTree>
     <p:extLst>
       <p:ext uri="{BB962C8B-B14F-4D97-AF65-F5344CB8AC3E}">
@@ -4263,6 +4833,1551 @@
       </p:par>
     </p:tnLst>
   </p:timing>
+</p:sld>
+</file>
+
+<file path=ppt/slides/slide5.xml><?xml version="1.0" encoding="utf-8"?>
+<p:sld xmlns:a="http://schemas.openxmlformats.org/drawingml/2006/main" xmlns:r="http://schemas.openxmlformats.org/officeDocument/2006/relationships" xmlns:p="http://schemas.openxmlformats.org/presentationml/2006/main">
+  <p:cSld>
+    <p:spTree>
+      <p:nvGrpSpPr>
+        <p:cNvPr id="1" name=""/>
+        <p:cNvGrpSpPr/>
+        <p:nvPr/>
+      </p:nvGrpSpPr>
+      <p:grpSpPr>
+        <a:xfrm>
+          <a:off x="0" y="0"/>
+          <a:ext cx="0" cy="0"/>
+          <a:chOff x="0" y="0"/>
+          <a:chExt cx="0" cy="0"/>
+        </a:xfrm>
+      </p:grpSpPr>
+      <p:pic>
+        <p:nvPicPr>
+          <p:cNvPr id="2" name="그림 1"/>
+          <p:cNvPicPr>
+            <a:picLocks noChangeAspect="1"/>
+          </p:cNvPicPr>
+          <p:nvPr/>
+        </p:nvPicPr>
+        <p:blipFill>
+          <a:blip r:embed="rId2"/>
+          <a:stretch>
+            <a:fillRect/>
+          </a:stretch>
+        </p:blipFill>
+        <p:spPr>
+          <a:xfrm>
+            <a:off x="432750" y="655081"/>
+            <a:ext cx="5691825" cy="3911275"/>
+          </a:xfrm>
+          <a:prstGeom prst="rect">
+            <a:avLst/>
+          </a:prstGeom>
+        </p:spPr>
+      </p:pic>
+      <p:sp>
+        <p:nvSpPr>
+          <p:cNvPr id="3" name="TextBox 2"/>
+          <p:cNvSpPr txBox="1"/>
+          <p:nvPr/>
+        </p:nvSpPr>
+        <p:spPr>
+          <a:xfrm>
+            <a:off x="1428750" y="285750"/>
+            <a:ext cx="1825500" cy="369332"/>
+          </a:xfrm>
+          <a:prstGeom prst="rect">
+            <a:avLst/>
+          </a:prstGeom>
+          <a:noFill/>
+        </p:spPr>
+        <p:txBody>
+          <a:bodyPr wrap="none" rtlCol="0">
+            <a:spAutoFit/>
+          </a:bodyPr>
+          <a:lstStyle/>
+          <a:p>
+            <a:r>
+              <a:rPr lang="en-US" altLang="ko-KR" dirty="0" err="1" smtClean="0"/>
+              <a:t>Github</a:t>
+            </a:r>
+            <a:r>
+              <a:rPr lang="en-US" altLang="ko-KR" dirty="0" smtClean="0"/>
+              <a:t> Desktop</a:t>
+            </a:r>
+            <a:endParaRPr lang="ko-KR" altLang="en-US" dirty="0"/>
+          </a:p>
+        </p:txBody>
+      </p:sp>
+      <p:pic>
+        <p:nvPicPr>
+          <p:cNvPr id="4" name="그림 3"/>
+          <p:cNvPicPr>
+            <a:picLocks noChangeAspect="1"/>
+          </p:cNvPicPr>
+          <p:nvPr/>
+        </p:nvPicPr>
+        <p:blipFill>
+          <a:blip r:embed="rId3"/>
+          <a:stretch>
+            <a:fillRect/>
+          </a:stretch>
+        </p:blipFill>
+        <p:spPr>
+          <a:xfrm>
+            <a:off x="6124575" y="2076178"/>
+            <a:ext cx="2277271" cy="2181498"/>
+          </a:xfrm>
+          <a:prstGeom prst="rect">
+            <a:avLst/>
+          </a:prstGeom>
+        </p:spPr>
+      </p:pic>
+      <p:sp>
+        <p:nvSpPr>
+          <p:cNvPr id="5" name="TextBox 4"/>
+          <p:cNvSpPr txBox="1"/>
+          <p:nvPr/>
+        </p:nvSpPr>
+        <p:spPr>
+          <a:xfrm>
+            <a:off x="6410325" y="4257676"/>
+            <a:ext cx="3211135" cy="369332"/>
+          </a:xfrm>
+          <a:prstGeom prst="rect">
+            <a:avLst/>
+          </a:prstGeom>
+          <a:noFill/>
+        </p:spPr>
+        <p:txBody>
+          <a:bodyPr wrap="none" rtlCol="0">
+            <a:spAutoFit/>
+          </a:bodyPr>
+          <a:lstStyle/>
+          <a:p>
+            <a:r>
+              <a:rPr lang="ko-KR" altLang="en-US" dirty="0" smtClean="0"/>
+              <a:t>사용할 프로젝트 </a:t>
+            </a:r>
+            <a:r>
+              <a:rPr lang="ko-KR" altLang="en-US" dirty="0" err="1" smtClean="0"/>
+              <a:t>선택후</a:t>
+            </a:r>
+            <a:r>
+              <a:rPr lang="ko-KR" altLang="en-US" dirty="0" smtClean="0"/>
+              <a:t> </a:t>
+            </a:r>
+            <a:r>
+              <a:rPr lang="en-US" altLang="ko-KR" dirty="0" err="1" smtClean="0"/>
+              <a:t>Clon</a:t>
+            </a:r>
+            <a:endParaRPr lang="ko-KR" altLang="en-US" dirty="0"/>
+          </a:p>
+        </p:txBody>
+      </p:sp>
+      <p:pic>
+        <p:nvPicPr>
+          <p:cNvPr id="6" name="그림 5"/>
+          <p:cNvPicPr>
+            <a:picLocks noChangeAspect="1"/>
+          </p:cNvPicPr>
+          <p:nvPr/>
+        </p:nvPicPr>
+        <p:blipFill>
+          <a:blip r:embed="rId4"/>
+          <a:stretch>
+            <a:fillRect/>
+          </a:stretch>
+        </p:blipFill>
+        <p:spPr>
+          <a:xfrm>
+            <a:off x="9141275" y="2504867"/>
+            <a:ext cx="2846920" cy="1752809"/>
+          </a:xfrm>
+          <a:prstGeom prst="rect">
+            <a:avLst/>
+          </a:prstGeom>
+        </p:spPr>
+      </p:pic>
+      <p:sp>
+        <p:nvSpPr>
+          <p:cNvPr id="7" name="TextBox 6"/>
+          <p:cNvSpPr txBox="1"/>
+          <p:nvPr/>
+        </p:nvSpPr>
+        <p:spPr>
+          <a:xfrm>
+            <a:off x="10024196" y="4257676"/>
+            <a:ext cx="1963999" cy="369332"/>
+          </a:xfrm>
+          <a:prstGeom prst="rect">
+            <a:avLst/>
+          </a:prstGeom>
+          <a:noFill/>
+        </p:spPr>
+        <p:txBody>
+          <a:bodyPr wrap="none" rtlCol="0">
+            <a:spAutoFit/>
+          </a:bodyPr>
+          <a:lstStyle/>
+          <a:p>
+            <a:r>
+              <a:rPr lang="ko-KR" altLang="en-US" dirty="0" smtClean="0"/>
+              <a:t>위치</a:t>
+            </a:r>
+            <a:r>
+              <a:rPr lang="en-US" altLang="ko-KR" dirty="0" smtClean="0"/>
+              <a:t> </a:t>
+            </a:r>
+            <a:r>
+              <a:rPr lang="ko-KR" altLang="en-US" dirty="0" err="1" smtClean="0"/>
+              <a:t>선택후</a:t>
+            </a:r>
+            <a:r>
+              <a:rPr lang="ko-KR" altLang="en-US" dirty="0" smtClean="0"/>
+              <a:t> 다운</a:t>
+            </a:r>
+            <a:endParaRPr lang="ko-KR" altLang="en-US" dirty="0"/>
+          </a:p>
+        </p:txBody>
+      </p:sp>
+    </p:spTree>
+    <p:extLst>
+      <p:ext uri="{BB962C8B-B14F-4D97-AF65-F5344CB8AC3E}">
+        <p14:creationId xmlns:p14="http://schemas.microsoft.com/office/powerpoint/2010/main" val="3331138"/>
+      </p:ext>
+    </p:extLst>
+  </p:cSld>
+  <p:clrMapOvr>
+    <a:masterClrMapping/>
+  </p:clrMapOvr>
+</p:sld>
+</file>
+
+<file path=ppt/slides/slide6.xml><?xml version="1.0" encoding="utf-8"?>
+<p:sld xmlns:a="http://schemas.openxmlformats.org/drawingml/2006/main" xmlns:r="http://schemas.openxmlformats.org/officeDocument/2006/relationships" xmlns:p="http://schemas.openxmlformats.org/presentationml/2006/main">
+  <p:cSld>
+    <p:spTree>
+      <p:nvGrpSpPr>
+        <p:cNvPr id="1" name=""/>
+        <p:cNvGrpSpPr/>
+        <p:nvPr/>
+      </p:nvGrpSpPr>
+      <p:grpSpPr>
+        <a:xfrm>
+          <a:off x="0" y="0"/>
+          <a:ext cx="0" cy="0"/>
+          <a:chOff x="0" y="0"/>
+          <a:chExt cx="0" cy="0"/>
+        </a:xfrm>
+      </p:grpSpPr>
+      <p:pic>
+        <p:nvPicPr>
+          <p:cNvPr id="2" name="그림 1"/>
+          <p:cNvPicPr>
+            <a:picLocks noChangeAspect="1"/>
+          </p:cNvPicPr>
+          <p:nvPr/>
+        </p:nvPicPr>
+        <p:blipFill>
+          <a:blip r:embed="rId2"/>
+          <a:stretch>
+            <a:fillRect/>
+          </a:stretch>
+        </p:blipFill>
+        <p:spPr>
+          <a:xfrm>
+            <a:off x="2399663" y="1252100"/>
+            <a:ext cx="7138592" cy="4910576"/>
+          </a:xfrm>
+          <a:prstGeom prst="rect">
+            <a:avLst/>
+          </a:prstGeom>
+        </p:spPr>
+      </p:pic>
+      <p:sp>
+        <p:nvSpPr>
+          <p:cNvPr id="3" name="TextBox 2"/>
+          <p:cNvSpPr txBox="1"/>
+          <p:nvPr/>
+        </p:nvSpPr>
+        <p:spPr>
+          <a:xfrm>
+            <a:off x="6648450" y="1838325"/>
+            <a:ext cx="1107996" cy="369332"/>
+          </a:xfrm>
+          <a:prstGeom prst="rect">
+            <a:avLst/>
+          </a:prstGeom>
+          <a:noFill/>
+        </p:spPr>
+        <p:txBody>
+          <a:bodyPr wrap="none" rtlCol="0">
+            <a:spAutoFit/>
+          </a:bodyPr>
+          <a:lstStyle/>
+          <a:p>
+            <a:r>
+              <a:rPr lang="ko-KR" altLang="en-US" dirty="0" err="1" smtClean="0"/>
+              <a:t>새로고침</a:t>
+            </a:r>
+            <a:endParaRPr lang="ko-KR" altLang="en-US" dirty="0"/>
+          </a:p>
+        </p:txBody>
+      </p:sp>
+      <p:sp>
+        <p:nvSpPr>
+          <p:cNvPr id="4" name="TextBox 3"/>
+          <p:cNvSpPr txBox="1"/>
+          <p:nvPr/>
+        </p:nvSpPr>
+        <p:spPr>
+          <a:xfrm>
+            <a:off x="748249" y="1468993"/>
+            <a:ext cx="1651414" cy="369332"/>
+          </a:xfrm>
+          <a:prstGeom prst="rect">
+            <a:avLst/>
+          </a:prstGeom>
+          <a:noFill/>
+        </p:spPr>
+        <p:txBody>
+          <a:bodyPr wrap="none" rtlCol="0">
+            <a:spAutoFit/>
+          </a:bodyPr>
+          <a:lstStyle/>
+          <a:p>
+            <a:r>
+              <a:rPr lang="ko-KR" altLang="en-US" dirty="0" smtClean="0"/>
+              <a:t>프로젝트 변경</a:t>
+            </a:r>
+            <a:endParaRPr lang="ko-KR" altLang="en-US" dirty="0"/>
+          </a:p>
+        </p:txBody>
+      </p:sp>
+      <p:sp>
+        <p:nvSpPr>
+          <p:cNvPr id="5" name="TextBox 4"/>
+          <p:cNvSpPr txBox="1"/>
+          <p:nvPr/>
+        </p:nvSpPr>
+        <p:spPr>
+          <a:xfrm>
+            <a:off x="1323975" y="2626578"/>
+            <a:ext cx="1733167" cy="369332"/>
+          </a:xfrm>
+          <a:prstGeom prst="rect">
+            <a:avLst/>
+          </a:prstGeom>
+          <a:noFill/>
+        </p:spPr>
+        <p:txBody>
+          <a:bodyPr wrap="none" rtlCol="0">
+            <a:spAutoFit/>
+          </a:bodyPr>
+          <a:lstStyle/>
+          <a:p>
+            <a:r>
+              <a:rPr lang="ko-KR" altLang="en-US" dirty="0" smtClean="0"/>
+              <a:t>현재 변경 내역</a:t>
+            </a:r>
+            <a:endParaRPr lang="ko-KR" altLang="en-US" dirty="0"/>
+          </a:p>
+        </p:txBody>
+      </p:sp>
+      <p:sp>
+        <p:nvSpPr>
+          <p:cNvPr id="6" name="TextBox 5"/>
+          <p:cNvSpPr txBox="1"/>
+          <p:nvPr/>
+        </p:nvSpPr>
+        <p:spPr>
+          <a:xfrm>
+            <a:off x="2399663" y="3052376"/>
+            <a:ext cx="1733167" cy="369332"/>
+          </a:xfrm>
+          <a:prstGeom prst="rect">
+            <a:avLst/>
+          </a:prstGeom>
+          <a:noFill/>
+        </p:spPr>
+        <p:txBody>
+          <a:bodyPr wrap="none" rtlCol="0">
+            <a:spAutoFit/>
+          </a:bodyPr>
+          <a:lstStyle/>
+          <a:p>
+            <a:r>
+              <a:rPr lang="ko-KR" altLang="en-US" dirty="0" smtClean="0"/>
+              <a:t>과거 변경 내역</a:t>
+            </a:r>
+            <a:endParaRPr lang="ko-KR" altLang="en-US" dirty="0"/>
+          </a:p>
+        </p:txBody>
+      </p:sp>
+      <p:sp>
+        <p:nvSpPr>
+          <p:cNvPr id="7" name="TextBox 6"/>
+          <p:cNvSpPr txBox="1"/>
+          <p:nvPr/>
+        </p:nvSpPr>
+        <p:spPr>
+          <a:xfrm>
+            <a:off x="1133475" y="4335890"/>
+            <a:ext cx="3201517" cy="369332"/>
+          </a:xfrm>
+          <a:prstGeom prst="rect">
+            <a:avLst/>
+          </a:prstGeom>
+          <a:noFill/>
+        </p:spPr>
+        <p:txBody>
+          <a:bodyPr wrap="none" rtlCol="0">
+            <a:spAutoFit/>
+          </a:bodyPr>
+          <a:lstStyle/>
+          <a:p>
+            <a:r>
+              <a:rPr lang="ko-KR" altLang="en-US" dirty="0" err="1" smtClean="0"/>
+              <a:t>커밋</a:t>
+            </a:r>
+            <a:r>
+              <a:rPr lang="en-US" altLang="ko-KR" dirty="0"/>
+              <a:t> </a:t>
+            </a:r>
+            <a:r>
+              <a:rPr lang="en-US" altLang="ko-KR" dirty="0" smtClean="0"/>
+              <a:t>(</a:t>
+            </a:r>
+            <a:r>
+              <a:rPr lang="en-US" altLang="ko-KR" dirty="0" err="1" smtClean="0"/>
+              <a:t>Github</a:t>
+            </a:r>
+            <a:r>
+              <a:rPr lang="ko-KR" altLang="en-US" dirty="0" smtClean="0"/>
+              <a:t>에 업로드 요청</a:t>
+            </a:r>
+            <a:r>
+              <a:rPr lang="en-US" altLang="ko-KR" dirty="0" smtClean="0"/>
+              <a:t>)</a:t>
+            </a:r>
+            <a:endParaRPr lang="ko-KR" altLang="en-US" dirty="0"/>
+          </a:p>
+        </p:txBody>
+      </p:sp>
+      <p:cxnSp>
+        <p:nvCxnSpPr>
+          <p:cNvPr id="9" name="직선 연결선 8"/>
+          <p:cNvCxnSpPr/>
+          <p:nvPr/>
+        </p:nvCxnSpPr>
+        <p:spPr>
+          <a:xfrm flipV="1">
+            <a:off x="2047875" y="1724025"/>
+            <a:ext cx="419100" cy="114300"/>
+          </a:xfrm>
+          <a:prstGeom prst="line">
+            <a:avLst/>
+          </a:prstGeom>
+          <a:ln>
+            <a:solidFill>
+              <a:srgbClr val="FF0000"/>
+            </a:solidFill>
+          </a:ln>
+        </p:spPr>
+        <p:style>
+          <a:lnRef idx="1">
+            <a:schemeClr val="accent1"/>
+          </a:lnRef>
+          <a:fillRef idx="0">
+            <a:schemeClr val="accent1"/>
+          </a:fillRef>
+          <a:effectRef idx="0">
+            <a:schemeClr val="accent1"/>
+          </a:effectRef>
+          <a:fontRef idx="minor">
+            <a:schemeClr val="tx1"/>
+          </a:fontRef>
+        </p:style>
+      </p:cxnSp>
+      <p:cxnSp>
+        <p:nvCxnSpPr>
+          <p:cNvPr id="11" name="직선 연결선 10"/>
+          <p:cNvCxnSpPr/>
+          <p:nvPr/>
+        </p:nvCxnSpPr>
+        <p:spPr>
+          <a:xfrm flipH="1" flipV="1">
+            <a:off x="6372225" y="1809408"/>
+            <a:ext cx="9525" cy="245810"/>
+          </a:xfrm>
+          <a:prstGeom prst="line">
+            <a:avLst/>
+          </a:prstGeom>
+          <a:ln>
+            <a:solidFill>
+              <a:srgbClr val="FF0000"/>
+            </a:solidFill>
+          </a:ln>
+        </p:spPr>
+        <p:style>
+          <a:lnRef idx="1">
+            <a:schemeClr val="accent1"/>
+          </a:lnRef>
+          <a:fillRef idx="0">
+            <a:schemeClr val="accent1"/>
+          </a:fillRef>
+          <a:effectRef idx="0">
+            <a:schemeClr val="accent1"/>
+          </a:effectRef>
+          <a:fontRef idx="minor">
+            <a:schemeClr val="tx1"/>
+          </a:fontRef>
+        </p:style>
+      </p:cxnSp>
+      <p:cxnSp>
+        <p:nvCxnSpPr>
+          <p:cNvPr id="13" name="직선 연결선 12"/>
+          <p:cNvCxnSpPr/>
+          <p:nvPr/>
+        </p:nvCxnSpPr>
+        <p:spPr>
+          <a:xfrm flipV="1">
+            <a:off x="2428556" y="2022991"/>
+            <a:ext cx="305677" cy="603587"/>
+          </a:xfrm>
+          <a:prstGeom prst="line">
+            <a:avLst/>
+          </a:prstGeom>
+          <a:ln>
+            <a:solidFill>
+              <a:srgbClr val="FF0000"/>
+            </a:solidFill>
+          </a:ln>
+        </p:spPr>
+        <p:style>
+          <a:lnRef idx="1">
+            <a:schemeClr val="accent1"/>
+          </a:lnRef>
+          <a:fillRef idx="0">
+            <a:schemeClr val="accent1"/>
+          </a:fillRef>
+          <a:effectRef idx="0">
+            <a:schemeClr val="accent1"/>
+          </a:effectRef>
+          <a:fontRef idx="minor">
+            <a:schemeClr val="tx1"/>
+          </a:fontRef>
+        </p:style>
+      </p:cxnSp>
+      <p:cxnSp>
+        <p:nvCxnSpPr>
+          <p:cNvPr id="15" name="직선 연결선 14"/>
+          <p:cNvCxnSpPr/>
+          <p:nvPr/>
+        </p:nvCxnSpPr>
+        <p:spPr>
+          <a:xfrm flipV="1">
+            <a:off x="3543300" y="2055218"/>
+            <a:ext cx="152400" cy="997158"/>
+          </a:xfrm>
+          <a:prstGeom prst="line">
+            <a:avLst/>
+          </a:prstGeom>
+          <a:ln>
+            <a:solidFill>
+              <a:srgbClr val="FF0000"/>
+            </a:solidFill>
+          </a:ln>
+        </p:spPr>
+        <p:style>
+          <a:lnRef idx="1">
+            <a:schemeClr val="accent1"/>
+          </a:lnRef>
+          <a:fillRef idx="0">
+            <a:schemeClr val="accent1"/>
+          </a:fillRef>
+          <a:effectRef idx="0">
+            <a:schemeClr val="accent1"/>
+          </a:effectRef>
+          <a:fontRef idx="minor">
+            <a:schemeClr val="tx1"/>
+          </a:fontRef>
+        </p:style>
+      </p:cxnSp>
+      <p:cxnSp>
+        <p:nvCxnSpPr>
+          <p:cNvPr id="17" name="직선 연결선 16"/>
+          <p:cNvCxnSpPr/>
+          <p:nvPr/>
+        </p:nvCxnSpPr>
+        <p:spPr>
+          <a:xfrm>
+            <a:off x="1905000" y="4705222"/>
+            <a:ext cx="676394" cy="1152653"/>
+          </a:xfrm>
+          <a:prstGeom prst="line">
+            <a:avLst/>
+          </a:prstGeom>
+          <a:ln>
+            <a:solidFill>
+              <a:srgbClr val="FF0000"/>
+            </a:solidFill>
+          </a:ln>
+        </p:spPr>
+        <p:style>
+          <a:lnRef idx="1">
+            <a:schemeClr val="accent1"/>
+          </a:lnRef>
+          <a:fillRef idx="0">
+            <a:schemeClr val="accent1"/>
+          </a:fillRef>
+          <a:effectRef idx="0">
+            <a:schemeClr val="accent1"/>
+          </a:effectRef>
+          <a:fontRef idx="minor">
+            <a:schemeClr val="tx1"/>
+          </a:fontRef>
+        </p:style>
+      </p:cxnSp>
+    </p:spTree>
+    <p:extLst>
+      <p:ext uri="{BB962C8B-B14F-4D97-AF65-F5344CB8AC3E}">
+        <p14:creationId xmlns:p14="http://schemas.microsoft.com/office/powerpoint/2010/main" val="1896734204"/>
+      </p:ext>
+    </p:extLst>
+  </p:cSld>
+  <p:clrMapOvr>
+    <a:masterClrMapping/>
+  </p:clrMapOvr>
+</p:sld>
+</file>
+
+<file path=ppt/slides/slide7.xml><?xml version="1.0" encoding="utf-8"?>
+<p:sld xmlns:a="http://schemas.openxmlformats.org/drawingml/2006/main" xmlns:r="http://schemas.openxmlformats.org/officeDocument/2006/relationships" xmlns:p="http://schemas.openxmlformats.org/presentationml/2006/main">
+  <p:cSld>
+    <p:spTree>
+      <p:nvGrpSpPr>
+        <p:cNvPr id="1" name=""/>
+        <p:cNvGrpSpPr/>
+        <p:nvPr/>
+      </p:nvGrpSpPr>
+      <p:grpSpPr>
+        <a:xfrm>
+          <a:off x="0" y="0"/>
+          <a:ext cx="0" cy="0"/>
+          <a:chOff x="0" y="0"/>
+          <a:chExt cx="0" cy="0"/>
+        </a:xfrm>
+      </p:grpSpPr>
+      <p:pic>
+        <p:nvPicPr>
+          <p:cNvPr id="2" name="그림 1"/>
+          <p:cNvPicPr>
+            <a:picLocks noChangeAspect="1"/>
+          </p:cNvPicPr>
+          <p:nvPr/>
+        </p:nvPicPr>
+        <p:blipFill>
+          <a:blip r:embed="rId2"/>
+          <a:stretch>
+            <a:fillRect/>
+          </a:stretch>
+        </p:blipFill>
+        <p:spPr>
+          <a:xfrm>
+            <a:off x="661576" y="528466"/>
+            <a:ext cx="4748624" cy="1971562"/>
+          </a:xfrm>
+          <a:prstGeom prst="rect">
+            <a:avLst/>
+          </a:prstGeom>
+        </p:spPr>
+      </p:pic>
+      <p:pic>
+        <p:nvPicPr>
+          <p:cNvPr id="3" name="그림 2"/>
+          <p:cNvPicPr>
+            <a:picLocks noChangeAspect="1"/>
+          </p:cNvPicPr>
+          <p:nvPr/>
+        </p:nvPicPr>
+        <p:blipFill>
+          <a:blip r:embed="rId3"/>
+          <a:stretch>
+            <a:fillRect/>
+          </a:stretch>
+        </p:blipFill>
+        <p:spPr>
+          <a:xfrm>
+            <a:off x="661576" y="1658644"/>
+            <a:ext cx="5158199" cy="2234950"/>
+          </a:xfrm>
+          <a:prstGeom prst="rect">
+            <a:avLst/>
+          </a:prstGeom>
+        </p:spPr>
+      </p:pic>
+      <p:sp>
+        <p:nvSpPr>
+          <p:cNvPr id="4" name="TextBox 3"/>
+          <p:cNvSpPr txBox="1"/>
+          <p:nvPr/>
+        </p:nvSpPr>
+        <p:spPr>
+          <a:xfrm>
+            <a:off x="3527953" y="250783"/>
+            <a:ext cx="1882247" cy="369332"/>
+          </a:xfrm>
+          <a:prstGeom prst="rect">
+            <a:avLst/>
+          </a:prstGeom>
+          <a:noFill/>
+        </p:spPr>
+        <p:txBody>
+          <a:bodyPr wrap="none" rtlCol="0">
+            <a:spAutoFit/>
+          </a:bodyPr>
+          <a:lstStyle/>
+          <a:p>
+            <a:r>
+              <a:rPr lang="ko-KR" altLang="en-US" dirty="0" smtClean="0"/>
+              <a:t>다운받은 폴더에</a:t>
+            </a:r>
+            <a:endParaRPr lang="ko-KR" altLang="en-US" dirty="0"/>
+          </a:p>
+        </p:txBody>
+      </p:sp>
+      <p:sp>
+        <p:nvSpPr>
+          <p:cNvPr id="5" name="TextBox 4"/>
+          <p:cNvSpPr txBox="1"/>
+          <p:nvPr/>
+        </p:nvSpPr>
+        <p:spPr>
+          <a:xfrm>
+            <a:off x="3579305" y="1329581"/>
+            <a:ext cx="1882247" cy="369332"/>
+          </a:xfrm>
+          <a:prstGeom prst="rect">
+            <a:avLst/>
+          </a:prstGeom>
+          <a:noFill/>
+        </p:spPr>
+        <p:txBody>
+          <a:bodyPr wrap="none" rtlCol="0">
+            <a:spAutoFit/>
+          </a:bodyPr>
+          <a:lstStyle/>
+          <a:p>
+            <a:r>
+              <a:rPr lang="ko-KR" altLang="en-US" dirty="0" smtClean="0"/>
+              <a:t>파일이 추가되면</a:t>
+            </a:r>
+            <a:endParaRPr lang="ko-KR" altLang="en-US" dirty="0"/>
+          </a:p>
+        </p:txBody>
+      </p:sp>
+      <p:pic>
+        <p:nvPicPr>
+          <p:cNvPr id="7" name="그림 6"/>
+          <p:cNvPicPr>
+            <a:picLocks noChangeAspect="1"/>
+          </p:cNvPicPr>
+          <p:nvPr/>
+        </p:nvPicPr>
+        <p:blipFill>
+          <a:blip r:embed="rId4"/>
+          <a:stretch>
+            <a:fillRect/>
+          </a:stretch>
+        </p:blipFill>
+        <p:spPr>
+          <a:xfrm>
+            <a:off x="976150" y="2776119"/>
+            <a:ext cx="1647459" cy="3886656"/>
+          </a:xfrm>
+          <a:prstGeom prst="rect">
+            <a:avLst/>
+          </a:prstGeom>
+        </p:spPr>
+      </p:pic>
+      <p:sp>
+        <p:nvSpPr>
+          <p:cNvPr id="8" name="TextBox 7"/>
+          <p:cNvSpPr txBox="1"/>
+          <p:nvPr/>
+        </p:nvSpPr>
+        <p:spPr>
+          <a:xfrm>
+            <a:off x="1153641" y="3388510"/>
+            <a:ext cx="2425664" cy="369332"/>
+          </a:xfrm>
+          <a:prstGeom prst="rect">
+            <a:avLst/>
+          </a:prstGeom>
+          <a:noFill/>
+        </p:spPr>
+        <p:txBody>
+          <a:bodyPr wrap="none" rtlCol="0">
+            <a:spAutoFit/>
+          </a:bodyPr>
+          <a:lstStyle/>
+          <a:p>
+            <a:r>
+              <a:rPr lang="ko-KR" altLang="en-US" dirty="0" err="1" smtClean="0"/>
+              <a:t>변경내역이</a:t>
+            </a:r>
+            <a:r>
+              <a:rPr lang="ko-KR" altLang="en-US" dirty="0" smtClean="0"/>
+              <a:t> 갱신되고</a:t>
+            </a:r>
+            <a:endParaRPr lang="ko-KR" altLang="en-US" dirty="0"/>
+          </a:p>
+        </p:txBody>
+      </p:sp>
+      <p:sp>
+        <p:nvSpPr>
+          <p:cNvPr id="9" name="TextBox 8"/>
+          <p:cNvSpPr txBox="1"/>
+          <p:nvPr/>
+        </p:nvSpPr>
+        <p:spPr>
+          <a:xfrm>
+            <a:off x="2592939" y="6330904"/>
+            <a:ext cx="2577950" cy="369332"/>
+          </a:xfrm>
+          <a:prstGeom prst="rect">
+            <a:avLst/>
+          </a:prstGeom>
+          <a:noFill/>
+        </p:spPr>
+        <p:txBody>
+          <a:bodyPr wrap="none" rtlCol="0">
+            <a:spAutoFit/>
+          </a:bodyPr>
+          <a:lstStyle/>
+          <a:p>
+            <a:r>
+              <a:rPr lang="ko-KR" altLang="en-US" dirty="0" smtClean="0"/>
+              <a:t>제목 설명 </a:t>
+            </a:r>
+            <a:r>
+              <a:rPr lang="ko-KR" altLang="en-US" dirty="0" err="1" smtClean="0"/>
+              <a:t>적은후</a:t>
+            </a:r>
+            <a:r>
+              <a:rPr lang="ko-KR" altLang="en-US" dirty="0" smtClean="0"/>
+              <a:t> </a:t>
+            </a:r>
+            <a:r>
+              <a:rPr lang="ko-KR" altLang="en-US" dirty="0" err="1" smtClean="0"/>
+              <a:t>커밋</a:t>
+            </a:r>
+            <a:endParaRPr lang="ko-KR" altLang="en-US" dirty="0"/>
+          </a:p>
+        </p:txBody>
+      </p:sp>
+      <p:pic>
+        <p:nvPicPr>
+          <p:cNvPr id="10" name="그림 9"/>
+          <p:cNvPicPr>
+            <a:picLocks noChangeAspect="1"/>
+          </p:cNvPicPr>
+          <p:nvPr/>
+        </p:nvPicPr>
+        <p:blipFill>
+          <a:blip r:embed="rId5"/>
+          <a:stretch>
+            <a:fillRect/>
+          </a:stretch>
+        </p:blipFill>
+        <p:spPr>
+          <a:xfrm>
+            <a:off x="5680604" y="3067583"/>
+            <a:ext cx="3967619" cy="3632653"/>
+          </a:xfrm>
+          <a:prstGeom prst="rect">
+            <a:avLst/>
+          </a:prstGeom>
+        </p:spPr>
+      </p:pic>
+      <p:sp>
+        <p:nvSpPr>
+          <p:cNvPr id="11" name="TextBox 10"/>
+          <p:cNvSpPr txBox="1"/>
+          <p:nvPr/>
+        </p:nvSpPr>
+        <p:spPr>
+          <a:xfrm>
+            <a:off x="9544050" y="4350115"/>
+            <a:ext cx="1686680" cy="369332"/>
+          </a:xfrm>
+          <a:prstGeom prst="rect">
+            <a:avLst/>
+          </a:prstGeom>
+          <a:noFill/>
+        </p:spPr>
+        <p:txBody>
+          <a:bodyPr wrap="none" rtlCol="0">
+            <a:spAutoFit/>
+          </a:bodyPr>
+          <a:lstStyle/>
+          <a:p>
+            <a:r>
+              <a:rPr lang="ko-KR" altLang="en-US" dirty="0" smtClean="0"/>
+              <a:t>이후 </a:t>
+            </a:r>
+            <a:r>
+              <a:rPr lang="en-US" altLang="ko-KR" dirty="0" smtClean="0"/>
+              <a:t>Push</a:t>
+            </a:r>
+            <a:r>
+              <a:rPr lang="ko-KR" altLang="en-US" dirty="0" smtClean="0"/>
+              <a:t>까지</a:t>
+            </a:r>
+            <a:endParaRPr lang="ko-KR" altLang="en-US" dirty="0"/>
+          </a:p>
+        </p:txBody>
+      </p:sp>
+      <p:cxnSp>
+        <p:nvCxnSpPr>
+          <p:cNvPr id="13" name="직선 화살표 연결선 12"/>
+          <p:cNvCxnSpPr/>
+          <p:nvPr/>
+        </p:nvCxnSpPr>
+        <p:spPr>
+          <a:xfrm>
+            <a:off x="3438525" y="1262782"/>
+            <a:ext cx="9525" cy="395862"/>
+          </a:xfrm>
+          <a:prstGeom prst="straightConnector1">
+            <a:avLst/>
+          </a:prstGeom>
+          <a:ln>
+            <a:solidFill>
+              <a:srgbClr val="FF0000"/>
+            </a:solidFill>
+            <a:tailEnd type="triangle"/>
+          </a:ln>
+        </p:spPr>
+        <p:style>
+          <a:lnRef idx="1">
+            <a:schemeClr val="accent1"/>
+          </a:lnRef>
+          <a:fillRef idx="0">
+            <a:schemeClr val="accent1"/>
+          </a:fillRef>
+          <a:effectRef idx="0">
+            <a:schemeClr val="accent1"/>
+          </a:effectRef>
+          <a:fontRef idx="minor">
+            <a:schemeClr val="tx1"/>
+          </a:fontRef>
+        </p:style>
+      </p:cxnSp>
+      <p:cxnSp>
+        <p:nvCxnSpPr>
+          <p:cNvPr id="15" name="직선 화살표 연결선 14"/>
+          <p:cNvCxnSpPr/>
+          <p:nvPr/>
+        </p:nvCxnSpPr>
+        <p:spPr>
+          <a:xfrm flipH="1">
+            <a:off x="2762250" y="2776119"/>
+            <a:ext cx="504825" cy="291464"/>
+          </a:xfrm>
+          <a:prstGeom prst="straightConnector1">
+            <a:avLst/>
+          </a:prstGeom>
+          <a:ln>
+            <a:solidFill>
+              <a:srgbClr val="FF0000"/>
+            </a:solidFill>
+            <a:tailEnd type="triangle"/>
+          </a:ln>
+        </p:spPr>
+        <p:style>
+          <a:lnRef idx="1">
+            <a:schemeClr val="accent1"/>
+          </a:lnRef>
+          <a:fillRef idx="0">
+            <a:schemeClr val="accent1"/>
+          </a:fillRef>
+          <a:effectRef idx="0">
+            <a:schemeClr val="accent1"/>
+          </a:effectRef>
+          <a:fontRef idx="minor">
+            <a:schemeClr val="tx1"/>
+          </a:fontRef>
+        </p:style>
+      </p:cxnSp>
+      <p:cxnSp>
+        <p:nvCxnSpPr>
+          <p:cNvPr id="17" name="직선 화살표 연결선 16"/>
+          <p:cNvCxnSpPr/>
+          <p:nvPr/>
+        </p:nvCxnSpPr>
+        <p:spPr>
+          <a:xfrm>
+            <a:off x="2695575" y="4719447"/>
+            <a:ext cx="2781300" cy="0"/>
+          </a:xfrm>
+          <a:prstGeom prst="straightConnector1">
+            <a:avLst/>
+          </a:prstGeom>
+          <a:ln>
+            <a:solidFill>
+              <a:srgbClr val="FF0000"/>
+            </a:solidFill>
+            <a:tailEnd type="triangle"/>
+          </a:ln>
+        </p:spPr>
+        <p:style>
+          <a:lnRef idx="1">
+            <a:schemeClr val="accent1"/>
+          </a:lnRef>
+          <a:fillRef idx="0">
+            <a:schemeClr val="accent1"/>
+          </a:fillRef>
+          <a:effectRef idx="0">
+            <a:schemeClr val="accent1"/>
+          </a:effectRef>
+          <a:fontRef idx="minor">
+            <a:schemeClr val="tx1"/>
+          </a:fontRef>
+        </p:style>
+      </p:cxnSp>
+    </p:spTree>
+    <p:extLst>
+      <p:ext uri="{BB962C8B-B14F-4D97-AF65-F5344CB8AC3E}">
+        <p14:creationId xmlns:p14="http://schemas.microsoft.com/office/powerpoint/2010/main" val="564931748"/>
+      </p:ext>
+    </p:extLst>
+  </p:cSld>
+  <p:clrMapOvr>
+    <a:masterClrMapping/>
+  </p:clrMapOvr>
+</p:sld>
+</file>
+
+<file path=ppt/slides/slide8.xml><?xml version="1.0" encoding="utf-8"?>
+<p:sld xmlns:a="http://schemas.openxmlformats.org/drawingml/2006/main" xmlns:r="http://schemas.openxmlformats.org/officeDocument/2006/relationships" xmlns:p="http://schemas.openxmlformats.org/presentationml/2006/main">
+  <p:cSld>
+    <p:spTree>
+      <p:nvGrpSpPr>
+        <p:cNvPr id="1" name=""/>
+        <p:cNvGrpSpPr/>
+        <p:nvPr/>
+      </p:nvGrpSpPr>
+      <p:grpSpPr>
+        <a:xfrm>
+          <a:off x="0" y="0"/>
+          <a:ext cx="0" cy="0"/>
+          <a:chOff x="0" y="0"/>
+          <a:chExt cx="0" cy="0"/>
+        </a:xfrm>
+      </p:grpSpPr>
+      <p:pic>
+        <p:nvPicPr>
+          <p:cNvPr id="2" name="그림 1"/>
+          <p:cNvPicPr>
+            <a:picLocks noChangeAspect="1"/>
+          </p:cNvPicPr>
+          <p:nvPr/>
+        </p:nvPicPr>
+        <p:blipFill>
+          <a:blip r:embed="rId2"/>
+          <a:stretch>
+            <a:fillRect/>
+          </a:stretch>
+        </p:blipFill>
+        <p:spPr>
+          <a:xfrm>
+            <a:off x="770921" y="690310"/>
+            <a:ext cx="4505929" cy="1880779"/>
+          </a:xfrm>
+          <a:prstGeom prst="rect">
+            <a:avLst/>
+          </a:prstGeom>
+        </p:spPr>
+      </p:pic>
+      <p:pic>
+        <p:nvPicPr>
+          <p:cNvPr id="3" name="그림 2"/>
+          <p:cNvPicPr>
+            <a:picLocks noChangeAspect="1"/>
+          </p:cNvPicPr>
+          <p:nvPr/>
+        </p:nvPicPr>
+        <p:blipFill>
+          <a:blip r:embed="rId3"/>
+          <a:stretch>
+            <a:fillRect/>
+          </a:stretch>
+        </p:blipFill>
+        <p:spPr>
+          <a:xfrm>
+            <a:off x="770921" y="3181067"/>
+            <a:ext cx="4505929" cy="2107053"/>
+          </a:xfrm>
+          <a:prstGeom prst="rect">
+            <a:avLst/>
+          </a:prstGeom>
+        </p:spPr>
+      </p:pic>
+      <p:sp>
+        <p:nvSpPr>
+          <p:cNvPr id="4" name="TextBox 3"/>
+          <p:cNvSpPr txBox="1"/>
+          <p:nvPr/>
+        </p:nvSpPr>
+        <p:spPr>
+          <a:xfrm>
+            <a:off x="5619750" y="2686050"/>
+            <a:ext cx="4517583" cy="369332"/>
+          </a:xfrm>
+          <a:prstGeom prst="rect">
+            <a:avLst/>
+          </a:prstGeom>
+          <a:noFill/>
+        </p:spPr>
+        <p:txBody>
+          <a:bodyPr wrap="none" rtlCol="0">
+            <a:spAutoFit/>
+          </a:bodyPr>
+          <a:lstStyle/>
+          <a:p>
+            <a:r>
+              <a:rPr lang="ko-KR" altLang="en-US" dirty="0" smtClean="0"/>
+              <a:t>그럼 </a:t>
+            </a:r>
+            <a:r>
+              <a:rPr lang="ko-KR" altLang="en-US" dirty="0" err="1" smtClean="0"/>
+              <a:t>깃허브에</a:t>
+            </a:r>
+            <a:r>
+              <a:rPr lang="ko-KR" altLang="en-US" dirty="0" smtClean="0"/>
+              <a:t> 올라가면서 파일이 공유됨</a:t>
+            </a:r>
+            <a:endParaRPr lang="ko-KR" altLang="en-US" dirty="0"/>
+          </a:p>
+        </p:txBody>
+      </p:sp>
+      <p:cxnSp>
+        <p:nvCxnSpPr>
+          <p:cNvPr id="6" name="직선 화살표 연결선 5"/>
+          <p:cNvCxnSpPr/>
+          <p:nvPr/>
+        </p:nvCxnSpPr>
+        <p:spPr>
+          <a:xfrm flipH="1">
+            <a:off x="2867025" y="2686050"/>
+            <a:ext cx="9525" cy="495017"/>
+          </a:xfrm>
+          <a:prstGeom prst="straightConnector1">
+            <a:avLst/>
+          </a:prstGeom>
+          <a:ln>
+            <a:solidFill>
+              <a:srgbClr val="FF0000"/>
+            </a:solidFill>
+            <a:tailEnd type="triangle"/>
+          </a:ln>
+        </p:spPr>
+        <p:style>
+          <a:lnRef idx="1">
+            <a:schemeClr val="accent1"/>
+          </a:lnRef>
+          <a:fillRef idx="0">
+            <a:schemeClr val="accent1"/>
+          </a:fillRef>
+          <a:effectRef idx="0">
+            <a:schemeClr val="accent1"/>
+          </a:effectRef>
+          <a:fontRef idx="minor">
+            <a:schemeClr val="tx1"/>
+          </a:fontRef>
+        </p:style>
+      </p:cxnSp>
+    </p:spTree>
+    <p:extLst>
+      <p:ext uri="{BB962C8B-B14F-4D97-AF65-F5344CB8AC3E}">
+        <p14:creationId xmlns:p14="http://schemas.microsoft.com/office/powerpoint/2010/main" val="3053644846"/>
+      </p:ext>
+    </p:extLst>
+  </p:cSld>
+  <p:clrMapOvr>
+    <a:masterClrMapping/>
+  </p:clrMapOvr>
+</p:sld>
+</file>
+
+<file path=ppt/slides/slide9.xml><?xml version="1.0" encoding="utf-8"?>
+<p:sld xmlns:a="http://schemas.openxmlformats.org/drawingml/2006/main" xmlns:r="http://schemas.openxmlformats.org/officeDocument/2006/relationships" xmlns:p="http://schemas.openxmlformats.org/presentationml/2006/main">
+  <p:cSld>
+    <p:spTree>
+      <p:nvGrpSpPr>
+        <p:cNvPr id="1" name=""/>
+        <p:cNvGrpSpPr/>
+        <p:nvPr/>
+      </p:nvGrpSpPr>
+      <p:grpSpPr>
+        <a:xfrm>
+          <a:off x="0" y="0"/>
+          <a:ext cx="0" cy="0"/>
+          <a:chOff x="0" y="0"/>
+          <a:chExt cx="0" cy="0"/>
+        </a:xfrm>
+      </p:grpSpPr>
+      <p:pic>
+        <p:nvPicPr>
+          <p:cNvPr id="2" name="그림 1"/>
+          <p:cNvPicPr>
+            <a:picLocks noChangeAspect="1"/>
+          </p:cNvPicPr>
+          <p:nvPr/>
+        </p:nvPicPr>
+        <p:blipFill>
+          <a:blip r:embed="rId2"/>
+          <a:stretch>
+            <a:fillRect/>
+          </a:stretch>
+        </p:blipFill>
+        <p:spPr>
+          <a:xfrm>
+            <a:off x="332769" y="2695319"/>
+            <a:ext cx="4505929" cy="1907114"/>
+          </a:xfrm>
+          <a:prstGeom prst="rect">
+            <a:avLst/>
+          </a:prstGeom>
+        </p:spPr>
+      </p:pic>
+      <p:pic>
+        <p:nvPicPr>
+          <p:cNvPr id="3" name="그림 2"/>
+          <p:cNvPicPr>
+            <a:picLocks noChangeAspect="1"/>
+          </p:cNvPicPr>
+          <p:nvPr/>
+        </p:nvPicPr>
+        <p:blipFill>
+          <a:blip r:embed="rId3"/>
+          <a:stretch>
+            <a:fillRect/>
+          </a:stretch>
+        </p:blipFill>
+        <p:spPr>
+          <a:xfrm>
+            <a:off x="332769" y="237842"/>
+            <a:ext cx="4505929" cy="2107053"/>
+          </a:xfrm>
+          <a:prstGeom prst="rect">
+            <a:avLst/>
+          </a:prstGeom>
+        </p:spPr>
+      </p:pic>
+      <p:pic>
+        <p:nvPicPr>
+          <p:cNvPr id="4" name="그림 3"/>
+          <p:cNvPicPr>
+            <a:picLocks noChangeAspect="1"/>
+          </p:cNvPicPr>
+          <p:nvPr/>
+        </p:nvPicPr>
+        <p:blipFill>
+          <a:blip r:embed="rId4"/>
+          <a:stretch>
+            <a:fillRect/>
+          </a:stretch>
+        </p:blipFill>
+        <p:spPr>
+          <a:xfrm>
+            <a:off x="585204" y="5133943"/>
+            <a:ext cx="4001058" cy="457264"/>
+          </a:xfrm>
+          <a:prstGeom prst="rect">
+            <a:avLst/>
+          </a:prstGeom>
+        </p:spPr>
+      </p:pic>
+      <p:pic>
+        <p:nvPicPr>
+          <p:cNvPr id="5" name="그림 4"/>
+          <p:cNvPicPr>
+            <a:picLocks noChangeAspect="1"/>
+          </p:cNvPicPr>
+          <p:nvPr/>
+        </p:nvPicPr>
+        <p:blipFill>
+          <a:blip r:embed="rId5"/>
+          <a:stretch>
+            <a:fillRect/>
+          </a:stretch>
+        </p:blipFill>
+        <p:spPr>
+          <a:xfrm>
+            <a:off x="5228779" y="237842"/>
+            <a:ext cx="4905821" cy="4378628"/>
+          </a:xfrm>
+          <a:prstGeom prst="rect">
+            <a:avLst/>
+          </a:prstGeom>
+        </p:spPr>
+      </p:pic>
+      <p:sp>
+        <p:nvSpPr>
+          <p:cNvPr id="6" name="TextBox 5"/>
+          <p:cNvSpPr txBox="1"/>
+          <p:nvPr/>
+        </p:nvSpPr>
+        <p:spPr>
+          <a:xfrm>
+            <a:off x="332769" y="123825"/>
+            <a:ext cx="877163" cy="369332"/>
+          </a:xfrm>
+          <a:prstGeom prst="rect">
+            <a:avLst/>
+          </a:prstGeom>
+          <a:noFill/>
+        </p:spPr>
+        <p:txBody>
+          <a:bodyPr wrap="none" rtlCol="0">
+            <a:spAutoFit/>
+          </a:bodyPr>
+          <a:lstStyle/>
+          <a:p>
+            <a:r>
+              <a:rPr lang="ko-KR" altLang="en-US" dirty="0" smtClean="0"/>
+              <a:t>반대로</a:t>
+            </a:r>
+            <a:endParaRPr lang="ko-KR" altLang="en-US" dirty="0"/>
+          </a:p>
+        </p:txBody>
+      </p:sp>
+      <p:sp>
+        <p:nvSpPr>
+          <p:cNvPr id="7" name="TextBox 6"/>
+          <p:cNvSpPr txBox="1"/>
+          <p:nvPr/>
+        </p:nvSpPr>
+        <p:spPr>
+          <a:xfrm>
+            <a:off x="332769" y="2335441"/>
+            <a:ext cx="1651414" cy="369332"/>
+          </a:xfrm>
+          <a:prstGeom prst="rect">
+            <a:avLst/>
+          </a:prstGeom>
+          <a:noFill/>
+        </p:spPr>
+        <p:txBody>
+          <a:bodyPr wrap="none" rtlCol="0">
+            <a:spAutoFit/>
+          </a:bodyPr>
+          <a:lstStyle/>
+          <a:p>
+            <a:r>
+              <a:rPr lang="ko-KR" altLang="en-US" dirty="0" smtClean="0"/>
+              <a:t>파일을 지우고</a:t>
+            </a:r>
+            <a:endParaRPr lang="ko-KR" altLang="en-US" dirty="0"/>
+          </a:p>
+        </p:txBody>
+      </p:sp>
+      <p:sp>
+        <p:nvSpPr>
+          <p:cNvPr id="8" name="TextBox 7"/>
+          <p:cNvSpPr txBox="1"/>
+          <p:nvPr/>
+        </p:nvSpPr>
+        <p:spPr>
+          <a:xfrm>
+            <a:off x="3105150" y="4764611"/>
+            <a:ext cx="1338828" cy="369332"/>
+          </a:xfrm>
+          <a:prstGeom prst="rect">
+            <a:avLst/>
+          </a:prstGeom>
+          <a:noFill/>
+        </p:spPr>
+        <p:txBody>
+          <a:bodyPr wrap="none" rtlCol="0">
+            <a:spAutoFit/>
+          </a:bodyPr>
+          <a:lstStyle/>
+          <a:p>
+            <a:r>
+              <a:rPr lang="ko-KR" altLang="en-US" smtClean="0"/>
+              <a:t>새로고침후</a:t>
+            </a:r>
+            <a:endParaRPr lang="ko-KR" altLang="en-US" dirty="0"/>
+          </a:p>
+        </p:txBody>
+      </p:sp>
+      <p:sp>
+        <p:nvSpPr>
+          <p:cNvPr id="9" name="TextBox 8"/>
+          <p:cNvSpPr txBox="1"/>
+          <p:nvPr/>
+        </p:nvSpPr>
+        <p:spPr>
+          <a:xfrm>
+            <a:off x="8083294" y="764943"/>
+            <a:ext cx="3196709" cy="369332"/>
+          </a:xfrm>
+          <a:prstGeom prst="rect">
+            <a:avLst/>
+          </a:prstGeom>
+          <a:noFill/>
+        </p:spPr>
+        <p:txBody>
+          <a:bodyPr wrap="none" rtlCol="0">
+            <a:spAutoFit/>
+          </a:bodyPr>
+          <a:lstStyle/>
+          <a:p>
+            <a:r>
+              <a:rPr lang="en-US" altLang="ko-KR" dirty="0" smtClean="0"/>
+              <a:t>Pull </a:t>
+            </a:r>
+            <a:r>
+              <a:rPr lang="ko-KR" altLang="en-US" dirty="0" smtClean="0"/>
+              <a:t>하면 </a:t>
+            </a:r>
+            <a:r>
+              <a:rPr lang="ko-KR" altLang="en-US" dirty="0" err="1" smtClean="0"/>
+              <a:t>변경내용이</a:t>
+            </a:r>
+            <a:r>
+              <a:rPr lang="ko-KR" altLang="en-US" dirty="0" smtClean="0"/>
+              <a:t> 갱신됨</a:t>
+            </a:r>
+            <a:endParaRPr lang="ko-KR" altLang="en-US" dirty="0"/>
+          </a:p>
+        </p:txBody>
+      </p:sp>
+      <p:cxnSp>
+        <p:nvCxnSpPr>
+          <p:cNvPr id="11" name="직선 화살표 연결선 10"/>
+          <p:cNvCxnSpPr/>
+          <p:nvPr/>
+        </p:nvCxnSpPr>
+        <p:spPr>
+          <a:xfrm>
+            <a:off x="3009900" y="2335441"/>
+            <a:ext cx="0" cy="369332"/>
+          </a:xfrm>
+          <a:prstGeom prst="straightConnector1">
+            <a:avLst/>
+          </a:prstGeom>
+          <a:ln>
+            <a:solidFill>
+              <a:srgbClr val="FF0000"/>
+            </a:solidFill>
+            <a:tailEnd type="triangle"/>
+          </a:ln>
+        </p:spPr>
+        <p:style>
+          <a:lnRef idx="1">
+            <a:schemeClr val="accent1"/>
+          </a:lnRef>
+          <a:fillRef idx="0">
+            <a:schemeClr val="accent1"/>
+          </a:fillRef>
+          <a:effectRef idx="0">
+            <a:schemeClr val="accent1"/>
+          </a:effectRef>
+          <a:fontRef idx="minor">
+            <a:schemeClr val="tx1"/>
+          </a:fontRef>
+        </p:style>
+      </p:cxnSp>
+      <p:cxnSp>
+        <p:nvCxnSpPr>
+          <p:cNvPr id="13" name="직선 화살표 연결선 12"/>
+          <p:cNvCxnSpPr/>
+          <p:nvPr/>
+        </p:nvCxnSpPr>
+        <p:spPr>
+          <a:xfrm>
+            <a:off x="2828925" y="4602433"/>
+            <a:ext cx="104775" cy="455342"/>
+          </a:xfrm>
+          <a:prstGeom prst="straightConnector1">
+            <a:avLst/>
+          </a:prstGeom>
+          <a:ln>
+            <a:solidFill>
+              <a:srgbClr val="FF0000"/>
+            </a:solidFill>
+            <a:tailEnd type="triangle"/>
+          </a:ln>
+        </p:spPr>
+        <p:style>
+          <a:lnRef idx="1">
+            <a:schemeClr val="accent1"/>
+          </a:lnRef>
+          <a:fillRef idx="0">
+            <a:schemeClr val="accent1"/>
+          </a:fillRef>
+          <a:effectRef idx="0">
+            <a:schemeClr val="accent1"/>
+          </a:effectRef>
+          <a:fontRef idx="minor">
+            <a:schemeClr val="tx1"/>
+          </a:fontRef>
+        </p:style>
+      </p:cxnSp>
+      <p:cxnSp>
+        <p:nvCxnSpPr>
+          <p:cNvPr id="15" name="직선 화살표 연결선 14"/>
+          <p:cNvCxnSpPr/>
+          <p:nvPr/>
+        </p:nvCxnSpPr>
+        <p:spPr>
+          <a:xfrm flipV="1">
+            <a:off x="4964292" y="3152775"/>
+            <a:ext cx="464958" cy="1685925"/>
+          </a:xfrm>
+          <a:prstGeom prst="straightConnector1">
+            <a:avLst/>
+          </a:prstGeom>
+          <a:ln>
+            <a:solidFill>
+              <a:srgbClr val="FF0000"/>
+            </a:solidFill>
+            <a:tailEnd type="triangle"/>
+          </a:ln>
+        </p:spPr>
+        <p:style>
+          <a:lnRef idx="1">
+            <a:schemeClr val="accent1"/>
+          </a:lnRef>
+          <a:fillRef idx="0">
+            <a:schemeClr val="accent1"/>
+          </a:fillRef>
+          <a:effectRef idx="0">
+            <a:schemeClr val="accent1"/>
+          </a:effectRef>
+          <a:fontRef idx="minor">
+            <a:schemeClr val="tx1"/>
+          </a:fontRef>
+        </p:style>
+      </p:cxnSp>
+    </p:spTree>
+    <p:extLst>
+      <p:ext uri="{BB962C8B-B14F-4D97-AF65-F5344CB8AC3E}">
+        <p14:creationId xmlns:p14="http://schemas.microsoft.com/office/powerpoint/2010/main" val="707187604"/>
+      </p:ext>
+    </p:extLst>
+  </p:cSld>
+  <p:clrMapOvr>
+    <a:masterClrMapping/>
+  </p:clrMapOvr>
 </p:sld>
 </file>
 
@@ -4525,4 +6640,265 @@
     </a:ext>
   </a:extLst>
 </a:theme>
+</file>
+
+<file path=ppt/theme/theme2.xml><?xml version="1.0" encoding="utf-8"?>
+<a:theme xmlns:a="http://schemas.openxmlformats.org/drawingml/2006/main" name="Office 테마">
+  <a:themeElements>
+    <a:clrScheme name="Office">
+      <a:dk1>
+        <a:sysClr val="windowText" lastClr="000000"/>
+      </a:dk1>
+      <a:lt1>
+        <a:sysClr val="window" lastClr="FFFFFF"/>
+      </a:lt1>
+      <a:dk2>
+        <a:srgbClr val="44546A"/>
+      </a:dk2>
+      <a:lt2>
+        <a:srgbClr val="E7E6E6"/>
+      </a:lt2>
+      <a:accent1>
+        <a:srgbClr val="5B9BD5"/>
+      </a:accent1>
+      <a:accent2>
+        <a:srgbClr val="ED7D31"/>
+      </a:accent2>
+      <a:accent3>
+        <a:srgbClr val="A5A5A5"/>
+      </a:accent3>
+      <a:accent4>
+        <a:srgbClr val="FFC000"/>
+      </a:accent4>
+      <a:accent5>
+        <a:srgbClr val="4472C4"/>
+      </a:accent5>
+      <a:accent6>
+        <a:srgbClr val="70AD47"/>
+      </a:accent6>
+      <a:hlink>
+        <a:srgbClr val="0563C1"/>
+      </a:hlink>
+      <a:folHlink>
+        <a:srgbClr val="954F72"/>
+      </a:folHlink>
+    </a:clrScheme>
+    <a:fontScheme name="Office">
+      <a:majorFont>
+        <a:latin typeface="맑은 고딕" panose="020F0302020204030204"/>
+        <a:ea typeface=""/>
+        <a:cs typeface=""/>
+        <a:font script="Jpan" typeface="游ゴシック Light"/>
+        <a:font script="Hang" typeface="맑은 고딕"/>
+        <a:font script="Hans" typeface="等线 Light"/>
+        <a:font script="Hant" typeface="新細明體"/>
+        <a:font script="Arab" typeface="Times New Roman"/>
+        <a:font script="Hebr" typeface="Times New Roman"/>
+        <a:font script="Thai" typeface="Angsana New"/>
+        <a:font script="Ethi" typeface="Nyala"/>
+        <a:font script="Beng" typeface="Vrinda"/>
+        <a:font script="Gujr" typeface="Shruti"/>
+        <a:font script="Khmr" typeface="MoolBoran"/>
+        <a:font script="Knda" typeface="Tunga"/>
+        <a:font script="Guru" typeface="Raavi"/>
+        <a:font script="Cans" typeface="Euphemia"/>
+        <a:font script="Cher" typeface="Plantagenet Cherokee"/>
+        <a:font script="Yiii" typeface="Microsoft Yi Baiti"/>
+        <a:font script="Tibt" typeface="Microsoft Himalaya"/>
+        <a:font script="Thaa" typeface="MV Boli"/>
+        <a:font script="Deva" typeface="Mangal"/>
+        <a:font script="Telu" typeface="Gautami"/>
+        <a:font script="Taml" typeface="Latha"/>
+        <a:font script="Syrc" typeface="Estrangelo Edessa"/>
+        <a:font script="Orya" typeface="Kalinga"/>
+        <a:font script="Mlym" typeface="Kartika"/>
+        <a:font script="Laoo" typeface="DokChampa"/>
+        <a:font script="Sinh" typeface="Iskoola Pota"/>
+        <a:font script="Mong" typeface="Mongolian Baiti"/>
+        <a:font script="Viet" typeface="Times New Roman"/>
+        <a:font script="Uigh" typeface="Microsoft Uighur"/>
+        <a:font script="Geor" typeface="Sylfaen"/>
+      </a:majorFont>
+      <a:minorFont>
+        <a:latin typeface="맑은 고딕" panose="020F0502020204030204"/>
+        <a:ea typeface=""/>
+        <a:cs typeface=""/>
+        <a:font script="Jpan" typeface="游ゴシック"/>
+        <a:font script="Hang" typeface="맑은 고딕"/>
+        <a:font script="Hans" typeface="等线"/>
+        <a:font script="Hant" typeface="新細明體"/>
+        <a:font script="Arab" typeface="Arial"/>
+        <a:font script="Hebr" typeface="Arial"/>
+        <a:font script="Thai" typeface="Cordia New"/>
+        <a:font script="Ethi" typeface="Nyala"/>
+        <a:font script="Beng" typeface="Vrinda"/>
+        <a:font script="Gujr" typeface="Shruti"/>
+        <a:font script="Khmr" typeface="DaunPenh"/>
+        <a:font script="Knda" typeface="Tunga"/>
+        <a:font script="Guru" typeface="Raavi"/>
+        <a:font script="Cans" typeface="Euphemia"/>
+        <a:font script="Cher" typeface="Plantagenet Cherokee"/>
+        <a:font script="Yiii" typeface="Microsoft Yi Baiti"/>
+        <a:font script="Tibt" typeface="Microsoft Himalaya"/>
+        <a:font script="Thaa" typeface="MV Boli"/>
+        <a:font script="Deva" typeface="Mangal"/>
+        <a:font script="Telu" typeface="Gautami"/>
+        <a:font script="Taml" typeface="Latha"/>
+        <a:font script="Syrc" typeface="Estrangelo Edessa"/>
+        <a:font script="Orya" typeface="Kalinga"/>
+        <a:font script="Mlym" typeface="Kartika"/>
+        <a:font script="Laoo" typeface="DokChampa"/>
+        <a:font script="Sinh" typeface="Iskoola Pota"/>
+        <a:font script="Mong" typeface="Mongolian Baiti"/>
+        <a:font script="Viet" typeface="Arial"/>
+        <a:font script="Uigh" typeface="Microsoft Uighur"/>
+        <a:font script="Geor" typeface="Sylfaen"/>
+      </a:minorFont>
+    </a:fontScheme>
+    <a:fmtScheme name="Office">
+      <a:fillStyleLst>
+        <a:solidFill>
+          <a:schemeClr val="phClr"/>
+        </a:solidFill>
+        <a:gradFill rotWithShape="1">
+          <a:gsLst>
+            <a:gs pos="0">
+              <a:schemeClr val="phClr">
+                <a:lumMod val="110000"/>
+                <a:satMod val="105000"/>
+                <a:tint val="67000"/>
+              </a:schemeClr>
+            </a:gs>
+            <a:gs pos="50000">
+              <a:schemeClr val="phClr">
+                <a:lumMod val="105000"/>
+                <a:satMod val="103000"/>
+                <a:tint val="73000"/>
+              </a:schemeClr>
+            </a:gs>
+            <a:gs pos="100000">
+              <a:schemeClr val="phClr">
+                <a:lumMod val="105000"/>
+                <a:satMod val="109000"/>
+                <a:tint val="81000"/>
+              </a:schemeClr>
+            </a:gs>
+          </a:gsLst>
+          <a:lin ang="5400000" scaled="0"/>
+        </a:gradFill>
+        <a:gradFill rotWithShape="1">
+          <a:gsLst>
+            <a:gs pos="0">
+              <a:schemeClr val="phClr">
+                <a:satMod val="103000"/>
+                <a:lumMod val="102000"/>
+                <a:tint val="94000"/>
+              </a:schemeClr>
+            </a:gs>
+            <a:gs pos="50000">
+              <a:schemeClr val="phClr">
+                <a:satMod val="110000"/>
+                <a:lumMod val="100000"/>
+                <a:shade val="100000"/>
+              </a:schemeClr>
+            </a:gs>
+            <a:gs pos="100000">
+              <a:schemeClr val="phClr">
+                <a:lumMod val="99000"/>
+                <a:satMod val="120000"/>
+                <a:shade val="78000"/>
+              </a:schemeClr>
+            </a:gs>
+          </a:gsLst>
+          <a:lin ang="5400000" scaled="0"/>
+        </a:gradFill>
+      </a:fillStyleLst>
+      <a:lnStyleLst>
+        <a:ln w="6350" cap="flat" cmpd="sng" algn="ctr">
+          <a:solidFill>
+            <a:schemeClr val="phClr"/>
+          </a:solidFill>
+          <a:prstDash val="solid"/>
+          <a:miter lim="800000"/>
+        </a:ln>
+        <a:ln w="12700" cap="flat" cmpd="sng" algn="ctr">
+          <a:solidFill>
+            <a:schemeClr val="phClr"/>
+          </a:solidFill>
+          <a:prstDash val="solid"/>
+          <a:miter lim="800000"/>
+        </a:ln>
+        <a:ln w="19050" cap="flat" cmpd="sng" algn="ctr">
+          <a:solidFill>
+            <a:schemeClr val="phClr"/>
+          </a:solidFill>
+          <a:prstDash val="solid"/>
+          <a:miter lim="800000"/>
+        </a:ln>
+      </a:lnStyleLst>
+      <a:effectStyleLst>
+        <a:effectStyle>
+          <a:effectLst/>
+        </a:effectStyle>
+        <a:effectStyle>
+          <a:effectLst/>
+        </a:effectStyle>
+        <a:effectStyle>
+          <a:effectLst>
+            <a:outerShdw blurRad="57150" dist="19050" dir="5400000" algn="ctr" rotWithShape="0">
+              <a:srgbClr val="000000">
+                <a:alpha val="63000"/>
+              </a:srgbClr>
+            </a:outerShdw>
+          </a:effectLst>
+        </a:effectStyle>
+      </a:effectStyleLst>
+      <a:bgFillStyleLst>
+        <a:solidFill>
+          <a:schemeClr val="phClr"/>
+        </a:solidFill>
+        <a:solidFill>
+          <a:schemeClr val="phClr">
+            <a:tint val="95000"/>
+            <a:satMod val="170000"/>
+          </a:schemeClr>
+        </a:solidFill>
+        <a:gradFill rotWithShape="1">
+          <a:gsLst>
+            <a:gs pos="0">
+              <a:schemeClr val="phClr">
+                <a:tint val="93000"/>
+                <a:satMod val="150000"/>
+                <a:shade val="98000"/>
+                <a:lumMod val="102000"/>
+              </a:schemeClr>
+            </a:gs>
+            <a:gs pos="50000">
+              <a:schemeClr val="phClr">
+                <a:tint val="98000"/>
+                <a:satMod val="130000"/>
+                <a:shade val="90000"/>
+                <a:lumMod val="103000"/>
+              </a:schemeClr>
+            </a:gs>
+            <a:gs pos="100000">
+              <a:schemeClr val="phClr">
+                <a:shade val="63000"/>
+                <a:satMod val="120000"/>
+              </a:schemeClr>
+            </a:gs>
+          </a:gsLst>
+          <a:lin ang="5400000" scaled="0"/>
+        </a:gradFill>
+      </a:bgFillStyleLst>
+    </a:fmtScheme>
+  </a:themeElements>
+  <a:objectDefaults/>
+  <a:extraClrSchemeLst/>
+  <a:extLst>
+    <a:ext uri="{05A4C25C-085E-4340-85A3-A5531E510DB2}">
+      <thm15:themeFamily xmlns:thm15="http://schemas.microsoft.com/office/thememl/2012/main" name="Office Theme" id="{62F939B6-93AF-4DB8-9C6B-D6C7DFDC589F}" vid="{4A3C46E8-61CC-4603-A589-7422A47A8E4A}"/>
+    </a:ext>
+  </a:extLst>
+</a:theme>
 </file>